--- a/Documents/IMS Initial document.pptx
+++ b/Documents/IMS Initial document.pptx
@@ -5,7 +5,7 @@
     <p:sldMasterId id="2147483708" r:id="rId1"/>
   </p:sldMasterIdLst>
   <p:notesMasterIdLst>
-    <p:notesMasterId r:id="rId9"/>
+    <p:notesMasterId r:id="rId10"/>
   </p:notesMasterIdLst>
   <p:sldIdLst>
     <p:sldId id="256" r:id="rId2"/>
@@ -14,7 +14,8 @@
     <p:sldId id="258" r:id="rId5"/>
     <p:sldId id="260" r:id="rId6"/>
     <p:sldId id="261" r:id="rId7"/>
-    <p:sldId id="262" r:id="rId8"/>
+    <p:sldId id="263" r:id="rId8"/>
+    <p:sldId id="262" r:id="rId9"/>
   </p:sldIdLst>
   <p:sldSz cx="9144000" cy="6858000" type="screen4x3"/>
   <p:notesSz cx="6858000" cy="9144000"/>
@@ -113,6 +114,22 @@
       </a:defRPr>
     </a:lvl9pPr>
   </p:defaultTextStyle>
+  <p:extLst>
+    <p:ext uri="{EFAFB233-063F-42B5-8137-9DF3F51BA10A}">
+      <p15:sldGuideLst xmlns:p15="http://schemas.microsoft.com/office/powerpoint/2012/main">
+        <p15:guide id="1" orient="horz" pos="2160">
+          <p15:clr>
+            <a:srgbClr val="A4A3A4"/>
+          </p15:clr>
+        </p15:guide>
+        <p15:guide id="2" pos="2880">
+          <p15:clr>
+            <a:srgbClr val="A4A3A4"/>
+          </p15:clr>
+        </p15:guide>
+      </p15:sldGuideLst>
+    </p:ext>
+  </p:extLst>
 </p:presentation>
 </file>
 
@@ -199,7 +216,7 @@
             <a:fld id="{A7D1F950-32B6-4EEF-8AF7-2B9728D87442}" type="datetimeFigureOut">
               <a:rPr lang="en-US" smtClean="0"/>
               <a:pPr/>
-              <a:t>1/3/2016</a:t>
+              <a:t>1/4/2016</a:t>
             </a:fld>
             <a:endParaRPr lang="en-US"/>
           </a:p>
@@ -368,6 +385,11 @@
         </p:txBody>
       </p:sp>
     </p:spTree>
+    <p:extLst>
+      <p:ext uri="{BB962C8B-B14F-4D97-AF65-F5344CB8AC3E}">
+        <p14:creationId xmlns:p14="http://schemas.microsoft.com/office/powerpoint/2010/main" val="359155143"/>
+      </p:ext>
+    </p:extLst>
   </p:cSld>
   <p:clrMap bg1="lt1" tx1="dk1" bg2="lt2" tx2="dk2" accent1="accent1" accent2="accent2" accent3="accent3" accent4="accent4" accent5="accent5" accent6="accent6" hlink="hlink" folHlink="folHlink"/>
   <p:notesStyle>
@@ -548,6 +570,11 @@
         </p:txBody>
       </p:sp>
     </p:spTree>
+    <p:extLst>
+      <p:ext uri="{BB962C8B-B14F-4D97-AF65-F5344CB8AC3E}">
+        <p14:creationId xmlns:p14="http://schemas.microsoft.com/office/powerpoint/2010/main" val="792660975"/>
+      </p:ext>
+    </p:extLst>
   </p:cSld>
   <p:clrMapOvr>
     <a:masterClrMapping/>
@@ -630,6 +657,11 @@
         </p:txBody>
       </p:sp>
     </p:spTree>
+    <p:extLst>
+      <p:ext uri="{BB962C8B-B14F-4D97-AF65-F5344CB8AC3E}">
+        <p14:creationId xmlns:p14="http://schemas.microsoft.com/office/powerpoint/2010/main" val="2181672991"/>
+      </p:ext>
+    </p:extLst>
   </p:cSld>
   <p:clrMapOvr>
     <a:masterClrMapping/>
@@ -775,7 +807,7 @@
             <a:fld id="{A7269707-E0C6-4499-A189-CB744C3FC287}" type="datetime1">
               <a:rPr lang="en-US" smtClean="0"/>
               <a:pPr/>
-              <a:t>1/3/2016</a:t>
+              <a:t>1/4/2016</a:t>
             </a:fld>
             <a:endParaRPr lang="en-US"/>
           </a:p>
@@ -1650,7 +1682,7 @@
             <a:fld id="{D781B893-587F-4D4C-950F-539F1A7FFDA0}" type="datetime1">
               <a:rPr lang="en-US" smtClean="0"/>
               <a:pPr/>
-              <a:t>1/3/2016</a:t>
+              <a:t>1/4/2016</a:t>
             </a:fld>
             <a:endParaRPr lang="en-US"/>
           </a:p>
@@ -1831,7 +1863,7 @@
             <a:fld id="{5D47E102-A901-4938-B9AD-9B1D90587FAD}" type="datetime1">
               <a:rPr lang="en-US" smtClean="0"/>
               <a:pPr/>
-              <a:t>1/3/2016</a:t>
+              <a:t>1/4/2016</a:t>
             </a:fld>
             <a:endParaRPr lang="en-US"/>
           </a:p>
@@ -2007,7 +2039,7 @@
             <a:fld id="{3C73216A-8CCF-4C9E-A0F7-F74E31CE72C2}" type="datetime1">
               <a:rPr lang="en-US" smtClean="0"/>
               <a:pPr/>
-              <a:t>1/3/2016</a:t>
+              <a:t>1/4/2016</a:t>
             </a:fld>
             <a:endParaRPr lang="en-US"/>
           </a:p>
@@ -2223,7 +2255,7 @@
             <a:fld id="{C087F263-EABF-4F29-9CB5-1BB5A0561A4F}" type="datetime1">
               <a:rPr lang="en-US" smtClean="0"/>
               <a:pPr/>
-              <a:t>1/3/2016</a:t>
+              <a:t>1/4/2016</a:t>
             </a:fld>
             <a:endParaRPr lang="en-US"/>
           </a:p>
@@ -3043,7 +3075,7 @@
             <a:fld id="{F0AD137A-6296-4B4D-BC97-10052ED2FBB4}" type="datetime1">
               <a:rPr lang="en-US" smtClean="0"/>
               <a:pPr/>
-              <a:t>1/3/2016</a:t>
+              <a:t>1/4/2016</a:t>
             </a:fld>
             <a:endParaRPr lang="en-US"/>
           </a:p>
@@ -3285,7 +3317,7 @@
             <a:fld id="{FD3DD297-B0D1-415C-8162-F1775B5896ED}" type="datetime1">
               <a:rPr lang="en-US" smtClean="0"/>
               <a:pPr/>
-              <a:t>1/3/2016</a:t>
+              <a:t>1/4/2016</a:t>
             </a:fld>
             <a:endParaRPr lang="en-US"/>
           </a:p>
@@ -3614,7 +3646,7 @@
             <a:fld id="{72357FC0-4771-4CC0-9EE5-9163721C76EA}" type="datetime1">
               <a:rPr lang="en-US" smtClean="0"/>
               <a:pPr/>
-              <a:t>1/3/2016</a:t>
+              <a:t>1/4/2016</a:t>
             </a:fld>
             <a:endParaRPr lang="en-US"/>
           </a:p>
@@ -3710,7 +3742,7 @@
             <a:fld id="{15BD9CBF-D4CA-4B39-AB60-004E8430E2E4}" type="datetime1">
               <a:rPr lang="en-US" smtClean="0"/>
               <a:pPr/>
-              <a:t>1/3/2016</a:t>
+              <a:t>1/4/2016</a:t>
             </a:fld>
             <a:endParaRPr lang="en-US"/>
           </a:p>
@@ -4233,7 +4265,7 @@
             <a:fld id="{6202546B-8D7D-4D06-8ACA-3F847E192DCC}" type="datetime1">
               <a:rPr lang="en-US" smtClean="0"/>
               <a:pPr/>
-              <a:t>1/3/2016</a:t>
+              <a:t>1/4/2016</a:t>
             </a:fld>
             <a:endParaRPr lang="en-US"/>
           </a:p>
@@ -4750,7 +4782,7 @@
             <a:fld id="{67D3B105-57C3-4868-A04F-9B5737837D51}" type="datetime1">
               <a:rPr lang="en-US" smtClean="0"/>
               <a:pPr/>
-              <a:t>1/3/2016</a:t>
+              <a:t>1/4/2016</a:t>
             </a:fld>
             <a:endParaRPr lang="en-US"/>
           </a:p>
@@ -5001,7 +5033,7 @@
             <a:fld id="{A26C619D-CCF2-4196-934C-34C03C888A20}" type="datetime1">
               <a:rPr lang="en-US" smtClean="0"/>
               <a:pPr/>
-              <a:t>1/3/2016</a:t>
+              <a:t>1/4/2016</a:t>
             </a:fld>
             <a:endParaRPr lang="en-US"/>
           </a:p>
@@ -5704,7 +5736,7 @@
             <a:fld id="{7B49E582-F3E1-4E8B-842C-DDEE269AEFE5}" type="datetime1">
               <a:rPr lang="en-US" smtClean="0"/>
               <a:pPr/>
-              <a:t>1/3/2016</a:t>
+              <a:t>1/4/2016</a:t>
             </a:fld>
             <a:endParaRPr lang="en-US"/>
           </a:p>
@@ -5855,7 +5887,7 @@
             <a:fld id="{3C73216A-8CCF-4C9E-A0F7-F74E31CE72C2}" type="datetime1">
               <a:rPr lang="en-US" smtClean="0"/>
               <a:pPr/>
-              <a:t>1/3/2016</a:t>
+              <a:t>1/4/2016</a:t>
             </a:fld>
             <a:endParaRPr lang="en-US"/>
           </a:p>
@@ -7074,21 +7106,19 @@
               <a:rPr lang="en-US" dirty="0" smtClean="0"/>
               <a:t>Everything online. Records, Attendance .. Etc. </a:t>
             </a:r>
-            <a:endParaRPr lang="en-US" dirty="0" smtClean="0"/>
           </a:p>
           <a:p>
             <a:r>
               <a:rPr lang="en-US" dirty="0" smtClean="0"/>
               <a:t>Login for individual. </a:t>
             </a:r>
+          </a:p>
+          <a:p>
             <a:endParaRPr lang="en-US" dirty="0" smtClean="0"/>
           </a:p>
           <a:p>
             <a:endParaRPr lang="en-US" dirty="0" smtClean="0"/>
           </a:p>
-          <a:p>
-            <a:endParaRPr lang="en-US" dirty="0" smtClean="0"/>
-          </a:p>
         </p:txBody>
       </p:sp>
       <p:sp>
@@ -7109,7 +7139,7 @@
             <a:fld id="{8442C12D-9895-45F7-A22B-C3CA0E59F39B}" type="datetime1">
               <a:rPr lang="en-US" smtClean="0"/>
               <a:pPr/>
-              <a:t>1/3/2016</a:t>
+              <a:t>1/4/2016</a:t>
             </a:fld>
             <a:endParaRPr lang="en-US" dirty="0"/>
           </a:p>
@@ -7308,7 +7338,7 @@
             <a:fld id="{3C73216A-8CCF-4C9E-A0F7-F74E31CE72C2}" type="datetime1">
               <a:rPr lang="en-US" smtClean="0"/>
               <a:pPr/>
-              <a:t>1/3/2016</a:t>
+              <a:t>1/4/2016</a:t>
             </a:fld>
             <a:endParaRPr lang="en-US"/>
           </a:p>
@@ -7504,7 +7534,7 @@
             <a:fld id="{3C73216A-8CCF-4C9E-A0F7-F74E31CE72C2}" type="datetime1">
               <a:rPr lang="en-US" smtClean="0"/>
               <a:pPr/>
-              <a:t>1/3/2016</a:t>
+              <a:t>1/4/2016</a:t>
             </a:fld>
             <a:endParaRPr lang="en-US"/>
           </a:p>
@@ -7710,7 +7740,7 @@
             <a:fld id="{3C73216A-8CCF-4C9E-A0F7-F74E31CE72C2}" type="datetime1">
               <a:rPr lang="en-US" smtClean="0"/>
               <a:pPr/>
-              <a:t>1/3/2016</a:t>
+              <a:t>1/4/2016</a:t>
             </a:fld>
             <a:endParaRPr lang="en-US"/>
           </a:p>
@@ -7805,6 +7835,730 @@
             <p:ph type="title"/>
           </p:nvPr>
         </p:nvSpPr>
+        <p:spPr/>
+        <p:txBody>
+          <a:bodyPr/>
+          <a:lstStyle/>
+          <a:p>
+            <a:r>
+              <a:rPr lang="en-US" dirty="0" smtClean="0"/>
+              <a:t>Team and Tasks</a:t>
+            </a:r>
+            <a:endParaRPr lang="en-US" dirty="0"/>
+          </a:p>
+        </p:txBody>
+      </p:sp>
+      <p:graphicFrame>
+        <p:nvGraphicFramePr>
+          <p:cNvPr id="7" name="Content Placeholder 6"/>
+          <p:cNvGraphicFramePr>
+            <a:graphicFrameLocks noGrp="1"/>
+          </p:cNvGraphicFramePr>
+          <p:nvPr>
+            <p:ph sz="quarter" idx="1"/>
+            <p:extLst>
+              <p:ext uri="{D42A27DB-BD31-4B8C-83A1-F6EECF244321}">
+                <p14:modId xmlns:p14="http://schemas.microsoft.com/office/powerpoint/2010/main" val="2975879801"/>
+              </p:ext>
+            </p:extLst>
+          </p:nvPr>
+        </p:nvGraphicFramePr>
+        <p:xfrm>
+          <a:off x="1219200" y="1600203"/>
+          <a:ext cx="4495800" cy="2666995"/>
+        </p:xfrm>
+        <a:graphic>
+          <a:graphicData uri="http://schemas.openxmlformats.org/drawingml/2006/table">
+            <a:tbl>
+              <a:tblPr>
+                <a:tableStyleId>{5C22544A-7EE6-4342-B048-85BDC9FD1C3A}</a:tableStyleId>
+              </a:tblPr>
+              <a:tblGrid>
+                <a:gridCol w="2083420"/>
+                <a:gridCol w="2412380"/>
+              </a:tblGrid>
+              <a:tr h="634999">
+                <a:tc>
+                  <a:txBody>
+                    <a:bodyPr/>
+                    <a:lstStyle/>
+                    <a:p>
+                      <a:pPr algn="l" fontAlgn="b"/>
+                      <a:r>
+                        <a:rPr lang="en-US" sz="1100" u="none" strike="noStrike">
+                          <a:effectLst/>
+                        </a:rPr>
+                        <a:t>Initial Team</a:t>
+                      </a:r>
+                      <a:endParaRPr lang="en-US" sz="1100" b="1" i="0" u="none" strike="noStrike">
+                        <a:solidFill>
+                          <a:srgbClr val="000000"/>
+                        </a:solidFill>
+                        <a:effectLst/>
+                        <a:latin typeface="Calibri" panose="020F0502020204030204" pitchFamily="34" charset="0"/>
+                      </a:endParaRPr>
+                    </a:p>
+                  </a:txBody>
+                  <a:tcPr marL="7620" marR="7620" marT="7620" marB="0" anchor="b"/>
+                </a:tc>
+                <a:tc>
+                  <a:txBody>
+                    <a:bodyPr/>
+                    <a:lstStyle/>
+                    <a:p>
+                      <a:pPr algn="l" fontAlgn="b"/>
+                      <a:r>
+                        <a:rPr lang="en-US" sz="1100" u="none" strike="noStrike">
+                          <a:effectLst/>
+                        </a:rPr>
+                        <a:t> </a:t>
+                      </a:r>
+                      <a:endParaRPr lang="en-US" sz="1100" b="0" i="0" u="none" strike="noStrike">
+                        <a:solidFill>
+                          <a:srgbClr val="000000"/>
+                        </a:solidFill>
+                        <a:effectLst/>
+                        <a:latin typeface="Calibri" panose="020F0502020204030204" pitchFamily="34" charset="0"/>
+                      </a:endParaRPr>
+                    </a:p>
+                  </a:txBody>
+                  <a:tcPr marL="7620" marR="7620" marT="7620" marB="0" anchor="b"/>
+                </a:tc>
+              </a:tr>
+              <a:tr h="338666">
+                <a:tc>
+                  <a:txBody>
+                    <a:bodyPr/>
+                    <a:lstStyle/>
+                    <a:p>
+                      <a:pPr algn="l" fontAlgn="b"/>
+                      <a:r>
+                        <a:rPr lang="en-US" sz="1100" u="none" strike="noStrike" dirty="0">
+                          <a:effectLst/>
+                        </a:rPr>
+                        <a:t>Sujith</a:t>
+                      </a:r>
+                      <a:endParaRPr lang="en-US" sz="1100" b="0" i="0" u="none" strike="noStrike" dirty="0">
+                        <a:solidFill>
+                          <a:srgbClr val="000000"/>
+                        </a:solidFill>
+                        <a:effectLst/>
+                        <a:latin typeface="Calibri" panose="020F0502020204030204" pitchFamily="34" charset="0"/>
+                      </a:endParaRPr>
+                    </a:p>
+                  </a:txBody>
+                  <a:tcPr marL="7620" marR="7620" marT="7620" marB="0" anchor="b"/>
+                </a:tc>
+                <a:tc>
+                  <a:txBody>
+                    <a:bodyPr/>
+                    <a:lstStyle/>
+                    <a:p>
+                      <a:pPr algn="l" fontAlgn="b"/>
+                      <a:r>
+                        <a:rPr lang="en-US" sz="1100" u="none" strike="noStrike">
+                          <a:effectLst/>
+                        </a:rPr>
+                        <a:t>Chaitanya</a:t>
+                      </a:r>
+                      <a:endParaRPr lang="en-US" sz="1100" b="0" i="0" u="none" strike="noStrike">
+                        <a:solidFill>
+                          <a:srgbClr val="000000"/>
+                        </a:solidFill>
+                        <a:effectLst/>
+                        <a:latin typeface="Calibri" panose="020F0502020204030204" pitchFamily="34" charset="0"/>
+                      </a:endParaRPr>
+                    </a:p>
+                  </a:txBody>
+                  <a:tcPr marL="7620" marR="7620" marT="7620" marB="0" anchor="b"/>
+                </a:tc>
+              </a:tr>
+              <a:tr h="338666">
+                <a:tc>
+                  <a:txBody>
+                    <a:bodyPr/>
+                    <a:lstStyle/>
+                    <a:p>
+                      <a:pPr algn="l" fontAlgn="b"/>
+                      <a:r>
+                        <a:rPr lang="en-US" sz="1100" u="none" strike="noStrike">
+                          <a:effectLst/>
+                        </a:rPr>
+                        <a:t>Puneeth</a:t>
+                      </a:r>
+                      <a:endParaRPr lang="en-US" sz="1100" b="0" i="0" u="none" strike="noStrike">
+                        <a:solidFill>
+                          <a:srgbClr val="000000"/>
+                        </a:solidFill>
+                        <a:effectLst/>
+                        <a:latin typeface="Calibri" panose="020F0502020204030204" pitchFamily="34" charset="0"/>
+                      </a:endParaRPr>
+                    </a:p>
+                  </a:txBody>
+                  <a:tcPr marL="7620" marR="7620" marT="7620" marB="0" anchor="b"/>
+                </a:tc>
+                <a:tc>
+                  <a:txBody>
+                    <a:bodyPr/>
+                    <a:lstStyle/>
+                    <a:p>
+                      <a:pPr algn="l" fontAlgn="b"/>
+                      <a:r>
+                        <a:rPr lang="en-US" sz="1100" u="none" strike="noStrike">
+                          <a:effectLst/>
+                        </a:rPr>
+                        <a:t>Narendra</a:t>
+                      </a:r>
+                      <a:endParaRPr lang="en-US" sz="1100" b="0" i="0" u="none" strike="noStrike">
+                        <a:solidFill>
+                          <a:srgbClr val="000000"/>
+                        </a:solidFill>
+                        <a:effectLst/>
+                        <a:latin typeface="Calibri" panose="020F0502020204030204" pitchFamily="34" charset="0"/>
+                      </a:endParaRPr>
+                    </a:p>
+                  </a:txBody>
+                  <a:tcPr marL="7620" marR="7620" marT="7620" marB="0" anchor="b"/>
+                </a:tc>
+              </a:tr>
+              <a:tr h="338666">
+                <a:tc>
+                  <a:txBody>
+                    <a:bodyPr/>
+                    <a:lstStyle/>
+                    <a:p>
+                      <a:pPr algn="l" fontAlgn="b"/>
+                      <a:r>
+                        <a:rPr lang="en-US" sz="1100" u="none" strike="noStrike">
+                          <a:effectLst/>
+                        </a:rPr>
+                        <a:t>Sashi</a:t>
+                      </a:r>
+                      <a:endParaRPr lang="en-US" sz="1100" b="0" i="0" u="none" strike="noStrike">
+                        <a:solidFill>
+                          <a:srgbClr val="000000"/>
+                        </a:solidFill>
+                        <a:effectLst/>
+                        <a:latin typeface="Calibri" panose="020F0502020204030204" pitchFamily="34" charset="0"/>
+                      </a:endParaRPr>
+                    </a:p>
+                  </a:txBody>
+                  <a:tcPr marL="7620" marR="7620" marT="7620" marB="0" anchor="b"/>
+                </a:tc>
+                <a:tc>
+                  <a:txBody>
+                    <a:bodyPr/>
+                    <a:lstStyle/>
+                    <a:p>
+                      <a:pPr algn="l" fontAlgn="b"/>
+                      <a:r>
+                        <a:rPr lang="en-US" sz="1100" u="none" strike="noStrike">
+                          <a:effectLst/>
+                        </a:rPr>
+                        <a:t>Sandeep N</a:t>
+                      </a:r>
+                      <a:endParaRPr lang="en-US" sz="1100" b="0" i="0" u="none" strike="noStrike">
+                        <a:solidFill>
+                          <a:srgbClr val="000000"/>
+                        </a:solidFill>
+                        <a:effectLst/>
+                        <a:latin typeface="Calibri" panose="020F0502020204030204" pitchFamily="34" charset="0"/>
+                      </a:endParaRPr>
+                    </a:p>
+                  </a:txBody>
+                  <a:tcPr marL="7620" marR="7620" marT="7620" marB="0" anchor="b"/>
+                </a:tc>
+              </a:tr>
+              <a:tr h="338666">
+                <a:tc>
+                  <a:txBody>
+                    <a:bodyPr/>
+                    <a:lstStyle/>
+                    <a:p>
+                      <a:pPr algn="l" fontAlgn="b"/>
+                      <a:r>
+                        <a:rPr lang="en-US" sz="1100" u="none" strike="noStrike">
+                          <a:effectLst/>
+                        </a:rPr>
+                        <a:t>Ravi</a:t>
+                      </a:r>
+                      <a:endParaRPr lang="en-US" sz="1100" b="0" i="0" u="none" strike="noStrike">
+                        <a:solidFill>
+                          <a:srgbClr val="000000"/>
+                        </a:solidFill>
+                        <a:effectLst/>
+                        <a:latin typeface="Calibri" panose="020F0502020204030204" pitchFamily="34" charset="0"/>
+                      </a:endParaRPr>
+                    </a:p>
+                  </a:txBody>
+                  <a:tcPr marL="7620" marR="7620" marT="7620" marB="0" anchor="b"/>
+                </a:tc>
+                <a:tc>
+                  <a:txBody>
+                    <a:bodyPr/>
+                    <a:lstStyle/>
+                    <a:p>
+                      <a:pPr algn="l" fontAlgn="b"/>
+                      <a:r>
+                        <a:rPr lang="en-US" sz="1100" u="none" strike="noStrike">
+                          <a:effectLst/>
+                        </a:rPr>
+                        <a:t>Vajra</a:t>
+                      </a:r>
+                      <a:endParaRPr lang="en-US" sz="1100" b="0" i="0" u="none" strike="noStrike">
+                        <a:solidFill>
+                          <a:srgbClr val="000000"/>
+                        </a:solidFill>
+                        <a:effectLst/>
+                        <a:latin typeface="Calibri" panose="020F0502020204030204" pitchFamily="34" charset="0"/>
+                      </a:endParaRPr>
+                    </a:p>
+                  </a:txBody>
+                  <a:tcPr marL="7620" marR="7620" marT="7620" marB="0" anchor="b"/>
+                </a:tc>
+              </a:tr>
+              <a:tr h="338666">
+                <a:tc>
+                  <a:txBody>
+                    <a:bodyPr/>
+                    <a:lstStyle/>
+                    <a:p>
+                      <a:pPr algn="l" fontAlgn="b"/>
+                      <a:r>
+                        <a:rPr lang="en-US" sz="1100" u="none" strike="noStrike">
+                          <a:effectLst/>
+                        </a:rPr>
+                        <a:t>Sarath</a:t>
+                      </a:r>
+                      <a:endParaRPr lang="en-US" sz="1100" b="0" i="0" u="none" strike="noStrike">
+                        <a:solidFill>
+                          <a:srgbClr val="000000"/>
+                        </a:solidFill>
+                        <a:effectLst/>
+                        <a:latin typeface="Calibri" panose="020F0502020204030204" pitchFamily="34" charset="0"/>
+                      </a:endParaRPr>
+                    </a:p>
+                  </a:txBody>
+                  <a:tcPr marL="7620" marR="7620" marT="7620" marB="0" anchor="b"/>
+                </a:tc>
+                <a:tc>
+                  <a:txBody>
+                    <a:bodyPr/>
+                    <a:lstStyle/>
+                    <a:p>
+                      <a:pPr algn="l" fontAlgn="b"/>
+                      <a:r>
+                        <a:rPr lang="en-US" sz="1100" u="none" strike="noStrike">
+                          <a:effectLst/>
+                        </a:rPr>
+                        <a:t>Nikhil</a:t>
+                      </a:r>
+                      <a:endParaRPr lang="en-US" sz="1100" b="0" i="0" u="none" strike="noStrike">
+                        <a:solidFill>
+                          <a:srgbClr val="000000"/>
+                        </a:solidFill>
+                        <a:effectLst/>
+                        <a:latin typeface="Calibri" panose="020F0502020204030204" pitchFamily="34" charset="0"/>
+                      </a:endParaRPr>
+                    </a:p>
+                  </a:txBody>
+                  <a:tcPr marL="7620" marR="7620" marT="7620" marB="0" anchor="b"/>
+                </a:tc>
+              </a:tr>
+              <a:tr h="338666">
+                <a:tc>
+                  <a:txBody>
+                    <a:bodyPr/>
+                    <a:lstStyle/>
+                    <a:p>
+                      <a:pPr algn="l" fontAlgn="b"/>
+                      <a:r>
+                        <a:rPr lang="en-US" sz="1100" u="none" strike="noStrike">
+                          <a:effectLst/>
+                        </a:rPr>
+                        <a:t>Anusha</a:t>
+                      </a:r>
+                      <a:endParaRPr lang="en-US" sz="1100" b="0" i="0" u="none" strike="noStrike">
+                        <a:solidFill>
+                          <a:srgbClr val="000000"/>
+                        </a:solidFill>
+                        <a:effectLst/>
+                        <a:latin typeface="Calibri" panose="020F0502020204030204" pitchFamily="34" charset="0"/>
+                      </a:endParaRPr>
+                    </a:p>
+                  </a:txBody>
+                  <a:tcPr marL="7620" marR="7620" marT="7620" marB="0" anchor="b"/>
+                </a:tc>
+                <a:tc>
+                  <a:txBody>
+                    <a:bodyPr/>
+                    <a:lstStyle/>
+                    <a:p>
+                      <a:pPr algn="l" fontAlgn="b"/>
+                      <a:r>
+                        <a:rPr lang="en-US" sz="1100" u="none" strike="noStrike" dirty="0">
+                          <a:effectLst/>
+                        </a:rPr>
+                        <a:t> </a:t>
+                      </a:r>
+                      <a:endParaRPr lang="en-US" sz="1100" b="0" i="0" u="none" strike="noStrike" dirty="0">
+                        <a:solidFill>
+                          <a:srgbClr val="000000"/>
+                        </a:solidFill>
+                        <a:effectLst/>
+                        <a:latin typeface="Calibri" panose="020F0502020204030204" pitchFamily="34" charset="0"/>
+                      </a:endParaRPr>
+                    </a:p>
+                  </a:txBody>
+                  <a:tcPr marL="7620" marR="7620" marT="7620" marB="0" anchor="b"/>
+                </a:tc>
+              </a:tr>
+            </a:tbl>
+          </a:graphicData>
+        </a:graphic>
+      </p:graphicFrame>
+      <p:sp>
+        <p:nvSpPr>
+          <p:cNvPr id="4" name="Date Placeholder 3"/>
+          <p:cNvSpPr>
+            <a:spLocks noGrp="1"/>
+          </p:cNvSpPr>
+          <p:nvPr>
+            <p:ph type="dt" sz="half" idx="14"/>
+          </p:nvPr>
+        </p:nvSpPr>
+        <p:spPr/>
+        <p:txBody>
+          <a:bodyPr/>
+          <a:lstStyle/>
+          <a:p>
+            <a:fld id="{3C73216A-8CCF-4C9E-A0F7-F74E31CE72C2}" type="datetime1">
+              <a:rPr lang="en-US" smtClean="0"/>
+              <a:pPr/>
+              <a:t>1/4/2016</a:t>
+            </a:fld>
+            <a:endParaRPr lang="en-US"/>
+          </a:p>
+        </p:txBody>
+      </p:sp>
+      <p:sp>
+        <p:nvSpPr>
+          <p:cNvPr id="5" name="Slide Number Placeholder 4"/>
+          <p:cNvSpPr>
+            <a:spLocks noGrp="1"/>
+          </p:cNvSpPr>
+          <p:nvPr>
+            <p:ph type="sldNum" sz="quarter" idx="15"/>
+          </p:nvPr>
+        </p:nvSpPr>
+        <p:spPr/>
+        <p:txBody>
+          <a:bodyPr/>
+          <a:lstStyle/>
+          <a:p>
+            <a:fld id="{B6F15528-21DE-4FAA-801E-634DDDAF4B2B}" type="slidenum">
+              <a:rPr lang="en-US" smtClean="0"/>
+              <a:pPr/>
+              <a:t>7</a:t>
+            </a:fld>
+            <a:endParaRPr lang="en-US"/>
+          </a:p>
+        </p:txBody>
+      </p:sp>
+      <p:sp>
+        <p:nvSpPr>
+          <p:cNvPr id="6" name="Footer Placeholder 5"/>
+          <p:cNvSpPr>
+            <a:spLocks noGrp="1"/>
+          </p:cNvSpPr>
+          <p:nvPr>
+            <p:ph type="ftr" sz="quarter" idx="16"/>
+          </p:nvPr>
+        </p:nvSpPr>
+        <p:spPr/>
+        <p:txBody>
+          <a:bodyPr/>
+          <a:lstStyle/>
+          <a:p>
+            <a:r>
+              <a:rPr lang="en-US" smtClean="0"/>
+              <a:t>Its My School </a:t>
+            </a:r>
+            <a:endParaRPr lang="en-US"/>
+          </a:p>
+        </p:txBody>
+      </p:sp>
+      <p:graphicFrame>
+        <p:nvGraphicFramePr>
+          <p:cNvPr id="8" name="Table 7"/>
+          <p:cNvGraphicFramePr>
+            <a:graphicFrameLocks noGrp="1"/>
+          </p:cNvGraphicFramePr>
+          <p:nvPr>
+            <p:extLst>
+              <p:ext uri="{D42A27DB-BD31-4B8C-83A1-F6EECF244321}">
+                <p14:modId xmlns:p14="http://schemas.microsoft.com/office/powerpoint/2010/main" val="585886357"/>
+              </p:ext>
+            </p:extLst>
+          </p:nvPr>
+        </p:nvGraphicFramePr>
+        <p:xfrm>
+          <a:off x="1143000" y="4520008"/>
+          <a:ext cx="4648200" cy="2000624"/>
+        </p:xfrm>
+        <a:graphic>
+          <a:graphicData uri="http://schemas.openxmlformats.org/drawingml/2006/table">
+            <a:tbl>
+              <a:tblPr>
+                <a:tableStyleId>{5C22544A-7EE6-4342-B048-85BDC9FD1C3A}</a:tableStyleId>
+              </a:tblPr>
+              <a:tblGrid>
+                <a:gridCol w="4648200"/>
+              </a:tblGrid>
+              <a:tr h="250078">
+                <a:tc>
+                  <a:txBody>
+                    <a:bodyPr/>
+                    <a:lstStyle/>
+                    <a:p>
+                      <a:pPr algn="l" fontAlgn="b"/>
+                      <a:r>
+                        <a:rPr lang="en-US" sz="1100" u="none" strike="noStrike" dirty="0">
+                          <a:effectLst/>
+                        </a:rPr>
+                        <a:t>Initial Tasks</a:t>
+                      </a:r>
+                      <a:endParaRPr lang="en-US" sz="1100" b="1" i="0" u="none" strike="noStrike" dirty="0">
+                        <a:solidFill>
+                          <a:srgbClr val="000000"/>
+                        </a:solidFill>
+                        <a:effectLst/>
+                        <a:latin typeface="Calibri" panose="020F0502020204030204" pitchFamily="34" charset="0"/>
+                      </a:endParaRPr>
+                    </a:p>
+                  </a:txBody>
+                  <a:tcPr marL="7620" marR="7620" marT="7620" marB="0" anchor="b"/>
+                </a:tc>
+              </a:tr>
+              <a:tr h="250078">
+                <a:tc>
+                  <a:txBody>
+                    <a:bodyPr/>
+                    <a:lstStyle/>
+                    <a:p>
+                      <a:pPr algn="l" fontAlgn="b"/>
+                      <a:r>
+                        <a:rPr lang="en-US" sz="1100" u="none" strike="noStrike">
+                          <a:effectLst/>
+                        </a:rPr>
+                        <a:t>Logo </a:t>
+                      </a:r>
+                      <a:endParaRPr lang="en-US" sz="1100" b="0" i="0" u="none" strike="noStrike">
+                        <a:solidFill>
+                          <a:srgbClr val="000000"/>
+                        </a:solidFill>
+                        <a:effectLst/>
+                        <a:latin typeface="Calibri" panose="020F0502020204030204" pitchFamily="34" charset="0"/>
+                      </a:endParaRPr>
+                    </a:p>
+                  </a:txBody>
+                  <a:tcPr marL="7620" marR="7620" marT="7620" marB="0" anchor="b"/>
+                </a:tc>
+              </a:tr>
+              <a:tr h="250078">
+                <a:tc>
+                  <a:txBody>
+                    <a:bodyPr/>
+                    <a:lstStyle/>
+                    <a:p>
+                      <a:pPr algn="l" fontAlgn="b"/>
+                      <a:r>
+                        <a:rPr lang="en-US" sz="1100" u="none" strike="noStrike">
+                          <a:effectLst/>
+                        </a:rPr>
+                        <a:t>Presentation preparation</a:t>
+                      </a:r>
+                      <a:endParaRPr lang="en-US" sz="1100" b="0" i="0" u="none" strike="noStrike">
+                        <a:solidFill>
+                          <a:srgbClr val="000000"/>
+                        </a:solidFill>
+                        <a:effectLst/>
+                        <a:latin typeface="Calibri" panose="020F0502020204030204" pitchFamily="34" charset="0"/>
+                      </a:endParaRPr>
+                    </a:p>
+                  </a:txBody>
+                  <a:tcPr marL="7620" marR="7620" marT="7620" marB="0" anchor="b"/>
+                </a:tc>
+              </a:tr>
+              <a:tr h="250078">
+                <a:tc>
+                  <a:txBody>
+                    <a:bodyPr/>
+                    <a:lstStyle/>
+                    <a:p>
+                      <a:pPr algn="l" fontAlgn="b"/>
+                      <a:r>
+                        <a:rPr lang="en-US" sz="1100" u="none" strike="noStrike">
+                          <a:effectLst/>
+                        </a:rPr>
+                        <a:t>Content - From Presentation</a:t>
+                      </a:r>
+                      <a:endParaRPr lang="en-US" sz="1100" b="0" i="0" u="none" strike="noStrike">
+                        <a:solidFill>
+                          <a:srgbClr val="000000"/>
+                        </a:solidFill>
+                        <a:effectLst/>
+                        <a:latin typeface="Calibri" panose="020F0502020204030204" pitchFamily="34" charset="0"/>
+                      </a:endParaRPr>
+                    </a:p>
+                  </a:txBody>
+                  <a:tcPr marL="7620" marR="7620" marT="7620" marB="0" anchor="b"/>
+                </a:tc>
+              </a:tr>
+              <a:tr h="250078">
+                <a:tc>
+                  <a:txBody>
+                    <a:bodyPr/>
+                    <a:lstStyle/>
+                    <a:p>
+                      <a:pPr algn="l" fontAlgn="b"/>
+                      <a:r>
+                        <a:rPr lang="en-US" sz="1100" u="none" strike="noStrike">
+                          <a:effectLst/>
+                        </a:rPr>
+                        <a:t>Website development for IMS</a:t>
+                      </a:r>
+                      <a:endParaRPr lang="en-US" sz="1100" b="0" i="0" u="none" strike="noStrike">
+                        <a:solidFill>
+                          <a:srgbClr val="000000"/>
+                        </a:solidFill>
+                        <a:effectLst/>
+                        <a:latin typeface="Calibri" panose="020F0502020204030204" pitchFamily="34" charset="0"/>
+                      </a:endParaRPr>
+                    </a:p>
+                  </a:txBody>
+                  <a:tcPr marL="7620" marR="7620" marT="7620" marB="0" anchor="b"/>
+                </a:tc>
+              </a:tr>
+              <a:tr h="250078">
+                <a:tc>
+                  <a:txBody>
+                    <a:bodyPr/>
+                    <a:lstStyle/>
+                    <a:p>
+                      <a:pPr algn="l" fontAlgn="b"/>
+                      <a:r>
+                        <a:rPr lang="en-US" sz="1100" u="none" strike="noStrike">
+                          <a:effectLst/>
+                        </a:rPr>
+                        <a:t>Registration of IMS</a:t>
+                      </a:r>
+                      <a:endParaRPr lang="en-US" sz="1100" b="0" i="0" u="none" strike="noStrike">
+                        <a:solidFill>
+                          <a:srgbClr val="000000"/>
+                        </a:solidFill>
+                        <a:effectLst/>
+                        <a:latin typeface="Calibri" panose="020F0502020204030204" pitchFamily="34" charset="0"/>
+                      </a:endParaRPr>
+                    </a:p>
+                  </a:txBody>
+                  <a:tcPr marL="7620" marR="7620" marT="7620" marB="0" anchor="b"/>
+                </a:tc>
+              </a:tr>
+              <a:tr h="250078">
+                <a:tc>
+                  <a:txBody>
+                    <a:bodyPr/>
+                    <a:lstStyle/>
+                    <a:p>
+                      <a:pPr algn="l" fontAlgn="b"/>
+                      <a:r>
+                        <a:rPr lang="en-US" sz="1100" u="none" strike="noStrike">
+                          <a:effectLst/>
+                        </a:rPr>
+                        <a:t>List out near by schools</a:t>
+                      </a:r>
+                      <a:endParaRPr lang="en-US" sz="1100" b="0" i="0" u="none" strike="noStrike">
+                        <a:solidFill>
+                          <a:srgbClr val="000000"/>
+                        </a:solidFill>
+                        <a:effectLst/>
+                        <a:latin typeface="Calibri" panose="020F0502020204030204" pitchFamily="34" charset="0"/>
+                      </a:endParaRPr>
+                    </a:p>
+                  </a:txBody>
+                  <a:tcPr marL="7620" marR="7620" marT="7620" marB="0" anchor="b"/>
+                </a:tc>
+              </a:tr>
+              <a:tr h="250078">
+                <a:tc>
+                  <a:txBody>
+                    <a:bodyPr/>
+                    <a:lstStyle/>
+                    <a:p>
+                      <a:pPr algn="l" fontAlgn="b"/>
+                      <a:r>
+                        <a:rPr lang="en-US" sz="1100" u="none" strike="noStrike" dirty="0">
+                          <a:effectLst/>
+                        </a:rPr>
+                        <a:t>Talk with 3 schools</a:t>
+                      </a:r>
+                      <a:endParaRPr lang="en-US" sz="1100" b="0" i="0" u="none" strike="noStrike" dirty="0">
+                        <a:solidFill>
+                          <a:srgbClr val="000000"/>
+                        </a:solidFill>
+                        <a:effectLst/>
+                        <a:latin typeface="Calibri" panose="020F0502020204030204" pitchFamily="34" charset="0"/>
+                      </a:endParaRPr>
+                    </a:p>
+                  </a:txBody>
+                  <a:tcPr marL="7620" marR="7620" marT="7620" marB="0" anchor="b"/>
+                </a:tc>
+              </a:tr>
+            </a:tbl>
+          </a:graphicData>
+        </a:graphic>
+      </p:graphicFrame>
+    </p:spTree>
+    <p:extLst>
+      <p:ext uri="{BB962C8B-B14F-4D97-AF65-F5344CB8AC3E}">
+        <p14:creationId xmlns:p14="http://schemas.microsoft.com/office/powerpoint/2010/main" val="351975697"/>
+      </p:ext>
+    </p:extLst>
+  </p:cSld>
+  <p:clrMapOvr>
+    <a:masterClrMapping/>
+  </p:clrMapOvr>
+</p:sld>
+</file>
+
+<file path=ppt/slides/slide8.xml><?xml version="1.0" encoding="utf-8"?>
+<p:sld xmlns:a="http://schemas.openxmlformats.org/drawingml/2006/main" xmlns:r="http://schemas.openxmlformats.org/officeDocument/2006/relationships" xmlns:p="http://schemas.openxmlformats.org/presentationml/2006/main">
+  <p:cSld>
+    <p:spTree>
+      <p:nvGrpSpPr>
+        <p:cNvPr id="1" name=""/>
+        <p:cNvGrpSpPr/>
+        <p:nvPr/>
+      </p:nvGrpSpPr>
+      <p:grpSpPr>
+        <a:xfrm>
+          <a:off x="0" y="0"/>
+          <a:ext cx="0" cy="0"/>
+          <a:chOff x="0" y="0"/>
+          <a:chExt cx="0" cy="0"/>
+        </a:xfrm>
+      </p:grpSpPr>
+      <p:sp>
+        <p:nvSpPr>
+          <p:cNvPr id="2" name="Title 1"/>
+          <p:cNvSpPr>
+            <a:spLocks noGrp="1"/>
+          </p:cNvSpPr>
+          <p:nvPr>
+            <p:ph type="title"/>
+          </p:nvPr>
+        </p:nvSpPr>
         <p:spPr>
           <a:xfrm>
             <a:off x="1371600" y="3276600"/>
@@ -7881,7 +8635,7 @@
             <a:fld id="{3C73216A-8CCF-4C9E-A0F7-F74E31CE72C2}" type="datetime1">
               <a:rPr lang="en-US" smtClean="0"/>
               <a:pPr/>
-              <a:t>1/3/2016</a:t>
+              <a:t>1/4/2016</a:t>
             </a:fld>
             <a:endParaRPr lang="en-US"/>
           </a:p>
@@ -7905,7 +8659,7 @@
             <a:fld id="{B6F15528-21DE-4FAA-801E-634DDDAF4B2B}" type="slidenum">
               <a:rPr lang="en-US" smtClean="0"/>
               <a:pPr/>
-              <a:t>7</a:t>
+              <a:t>8</a:t>
             </a:fld>
             <a:endParaRPr lang="en-US"/>
           </a:p>
